--- a/Poverty & Fast Food.pptx
+++ b/Poverty & Fast Food.pptx
@@ -108,7 +108,136 @@
       </a:defRPr>
     </a:lvl9pPr>
   </p:defaultTextStyle>
+  <p:extLst>
+    <p:ext uri="{EFAFB233-063F-42B5-8137-9DF3F51BA10A}">
+      <p15:sldGuideLst xmlns:p15="http://schemas.microsoft.com/office/powerpoint/2012/main"/>
+    </p:ext>
+  </p:extLst>
 </p:presentation>
+</file>
+
+<file path=ppt/revisionInfo.xml><?xml version="1.0" encoding="utf-8"?>
+<p1510:revInfo xmlns:a="http://schemas.openxmlformats.org/drawingml/2006/main" xmlns:r="http://schemas.openxmlformats.org/officeDocument/2006/relationships" xmlns:p1510="http://schemas.microsoft.com/office/powerpoint/2015/10/main">
+  <p1510:revLst>
+    <p1510:client id="{FD5F0F38-8C05-481D-A15C-06A066292A11}" v="5" dt="2020-05-31T23:38:06.461"/>
+  </p1510:revLst>
+</p1510:revInfo>
+</file>
+
+<file path=ppt/changesInfos/changesInfo1.xml><?xml version="1.0" encoding="utf-8"?>
+<pc:chgInfo xmlns:a="http://schemas.openxmlformats.org/drawingml/2006/main" xmlns:r="http://schemas.openxmlformats.org/officeDocument/2006/relationships" xmlns:ac="http://schemas.microsoft.com/office/drawing/2013/main/command" xmlns:pc="http://schemas.microsoft.com/office/powerpoint/2013/main/command">
+  <pc:docChgLst>
+    <pc:chgData name="Kenneth Knisley" userId="05a3edc7-46e3-4d88-aedd-0b541b967259" providerId="ADAL" clId="{FD5F0F38-8C05-481D-A15C-06A066292A11}"/>
+    <pc:docChg chg="undo custSel mod modSld">
+      <pc:chgData name="Kenneth Knisley" userId="05a3edc7-46e3-4d88-aedd-0b541b967259" providerId="ADAL" clId="{FD5F0F38-8C05-481D-A15C-06A066292A11}" dt="2020-05-31T23:47:23.480" v="740" actId="27636"/>
+      <pc:docMkLst>
+        <pc:docMk/>
+      </pc:docMkLst>
+      <pc:sldChg chg="addSp delSp modSp mod setBg setClrOvrMap">
+        <pc:chgData name="Kenneth Knisley" userId="05a3edc7-46e3-4d88-aedd-0b541b967259" providerId="ADAL" clId="{FD5F0F38-8C05-481D-A15C-06A066292A11}" dt="2020-05-31T23:37:53.584" v="675" actId="20577"/>
+        <pc:sldMkLst>
+          <pc:docMk/>
+          <pc:sldMk cId="3300073884" sldId="259"/>
+        </pc:sldMkLst>
+        <pc:spChg chg="mod ord">
+          <ac:chgData name="Kenneth Knisley" userId="05a3edc7-46e3-4d88-aedd-0b541b967259" providerId="ADAL" clId="{FD5F0F38-8C05-481D-A15C-06A066292A11}" dt="2020-05-31T23:33:11.978" v="149" actId="26606"/>
+          <ac:spMkLst>
+            <pc:docMk/>
+            <pc:sldMk cId="3300073884" sldId="259"/>
+            <ac:spMk id="2" creationId="{A5ABF7AC-DD02-49E9-8454-8EAF7113A0E5}"/>
+          </ac:spMkLst>
+        </pc:spChg>
+        <pc:spChg chg="del mod">
+          <ac:chgData name="Kenneth Knisley" userId="05a3edc7-46e3-4d88-aedd-0b541b967259" providerId="ADAL" clId="{FD5F0F38-8C05-481D-A15C-06A066292A11}" dt="2020-05-31T23:31:09.697" v="25" actId="931"/>
+          <ac:spMkLst>
+            <pc:docMk/>
+            <pc:sldMk cId="3300073884" sldId="259"/>
+            <ac:spMk id="3" creationId="{7660AACF-EE48-4818-BAC5-268A473208B7}"/>
+          </ac:spMkLst>
+        </pc:spChg>
+        <pc:spChg chg="add del">
+          <ac:chgData name="Kenneth Knisley" userId="05a3edc7-46e3-4d88-aedd-0b541b967259" providerId="ADAL" clId="{FD5F0F38-8C05-481D-A15C-06A066292A11}" dt="2020-05-31T23:30:50.337" v="23"/>
+          <ac:spMkLst>
+            <pc:docMk/>
+            <pc:sldMk cId="3300073884" sldId="259"/>
+            <ac:spMk id="4" creationId="{CAF46661-9ED3-460A-94B5-6A9D515AAD89}"/>
+          </ac:spMkLst>
+        </pc:spChg>
+        <pc:spChg chg="del">
+          <ac:chgData name="Kenneth Knisley" userId="05a3edc7-46e3-4d88-aedd-0b541b967259" providerId="ADAL" clId="{FD5F0F38-8C05-481D-A15C-06A066292A11}" dt="2020-05-31T23:30:51.998" v="24" actId="478"/>
+          <ac:spMkLst>
+            <pc:docMk/>
+            <pc:sldMk cId="3300073884" sldId="259"/>
+            <ac:spMk id="6" creationId="{97C2877F-ED67-4D33-90A0-E6C73F2B6FE6}"/>
+          </ac:spMkLst>
+        </pc:spChg>
+        <pc:spChg chg="add mod">
+          <ac:chgData name="Kenneth Knisley" userId="05a3edc7-46e3-4d88-aedd-0b541b967259" providerId="ADAL" clId="{FD5F0F38-8C05-481D-A15C-06A066292A11}" dt="2020-05-31T23:37:53.584" v="675" actId="20577"/>
+          <ac:spMkLst>
+            <pc:docMk/>
+            <pc:sldMk cId="3300073884" sldId="259"/>
+            <ac:spMk id="9" creationId="{62423AB3-A64A-4495-8FE8-127171161789}"/>
+          </ac:spMkLst>
+        </pc:spChg>
+        <pc:spChg chg="add del">
+          <ac:chgData name="Kenneth Knisley" userId="05a3edc7-46e3-4d88-aedd-0b541b967259" providerId="ADAL" clId="{FD5F0F38-8C05-481D-A15C-06A066292A11}" dt="2020-05-31T23:33:11.978" v="149" actId="26606"/>
+          <ac:spMkLst>
+            <pc:docMk/>
+            <pc:sldMk cId="3300073884" sldId="259"/>
+            <ac:spMk id="12" creationId="{EBE5941B-C098-4F2F-8A0C-AFCAB83E58D7}"/>
+          </ac:spMkLst>
+        </pc:spChg>
+        <pc:spChg chg="add del">
+          <ac:chgData name="Kenneth Knisley" userId="05a3edc7-46e3-4d88-aedd-0b541b967259" providerId="ADAL" clId="{FD5F0F38-8C05-481D-A15C-06A066292A11}" dt="2020-05-31T23:33:11.978" v="149" actId="26606"/>
+          <ac:spMkLst>
+            <pc:docMk/>
+            <pc:sldMk cId="3300073884" sldId="259"/>
+            <ac:spMk id="15" creationId="{5EB8E3BF-F464-4900-8994-851061A9AD60}"/>
+          </ac:spMkLst>
+        </pc:spChg>
+        <pc:picChg chg="del">
+          <ac:chgData name="Kenneth Knisley" userId="05a3edc7-46e3-4d88-aedd-0b541b967259" providerId="ADAL" clId="{FD5F0F38-8C05-481D-A15C-06A066292A11}" dt="2020-05-31T23:30:51.998" v="24" actId="478"/>
+          <ac:picMkLst>
+            <pc:docMk/>
+            <pc:sldMk cId="3300073884" sldId="259"/>
+            <ac:picMk id="5" creationId="{958042B4-CA67-4A93-A4F7-2EBDAA75550F}"/>
+          </ac:picMkLst>
+        </pc:picChg>
+        <pc:picChg chg="add mod ord modCrop">
+          <ac:chgData name="Kenneth Knisley" userId="05a3edc7-46e3-4d88-aedd-0b541b967259" providerId="ADAL" clId="{FD5F0F38-8C05-481D-A15C-06A066292A11}" dt="2020-05-31T23:35:25.998" v="188" actId="167"/>
+          <ac:picMkLst>
+            <pc:docMk/>
+            <pc:sldMk cId="3300073884" sldId="259"/>
+            <ac:picMk id="8" creationId="{04BCF59C-CA85-48FB-8FB1-3676177EB764}"/>
+          </ac:picMkLst>
+        </pc:picChg>
+        <pc:cxnChg chg="add del">
+          <ac:chgData name="Kenneth Knisley" userId="05a3edc7-46e3-4d88-aedd-0b541b967259" providerId="ADAL" clId="{FD5F0F38-8C05-481D-A15C-06A066292A11}" dt="2020-05-31T23:33:11.978" v="149" actId="26606"/>
+          <ac:cxnSpMkLst>
+            <pc:docMk/>
+            <pc:sldMk cId="3300073884" sldId="259"/>
+            <ac:cxnSpMk id="17" creationId="{8E0602D6-3A81-42F8-AE67-1BAAFC967CB0}"/>
+          </ac:cxnSpMkLst>
+        </pc:cxnChg>
+      </pc:sldChg>
+      <pc:sldChg chg="modSp">
+        <pc:chgData name="Kenneth Knisley" userId="05a3edc7-46e3-4d88-aedd-0b541b967259" providerId="ADAL" clId="{FD5F0F38-8C05-481D-A15C-06A066292A11}" dt="2020-05-31T23:47:23.480" v="740" actId="27636"/>
+        <pc:sldMkLst>
+          <pc:docMk/>
+          <pc:sldMk cId="2615889952" sldId="261"/>
+        </pc:sldMkLst>
+        <pc:spChg chg="mod">
+          <ac:chgData name="Kenneth Knisley" userId="05a3edc7-46e3-4d88-aedd-0b541b967259" providerId="ADAL" clId="{FD5F0F38-8C05-481D-A15C-06A066292A11}" dt="2020-05-31T23:47:23.480" v="740" actId="27636"/>
+          <ac:spMkLst>
+            <pc:docMk/>
+            <pc:sldMk cId="2615889952" sldId="261"/>
+            <ac:spMk id="3" creationId="{6D844C73-90CE-489D-B24D-665D7631001F}"/>
+          </ac:spMkLst>
+        </pc:spChg>
+      </pc:sldChg>
+    </pc:docChg>
+  </pc:docChgLst>
+</pc:chgInfo>
 </file>
 
 <file path=ppt/slideLayouts/slideLayout1.xml><?xml version="1.0" encoding="utf-8"?>
@@ -443,7 +572,7 @@
             <a:fld id="{B61BEF0D-F0BB-DE4B-95CE-6DB70DBA9567}" type="datetimeFigureOut">
               <a:rPr lang="en-US" dirty="0"/>
               <a:pPr/>
-              <a:t>5/30/2020</a:t>
+              <a:t>5/31/2020</a:t>
             </a:fld>
             <a:endParaRPr lang="en-US" dirty="0"/>
           </a:p>
@@ -764,7 +893,7 @@
             <a:fld id="{B61BEF0D-F0BB-DE4B-95CE-6DB70DBA9567}" type="datetimeFigureOut">
               <a:rPr lang="en-US" dirty="0"/>
               <a:pPr/>
-              <a:t>5/30/2020</a:t>
+              <a:t>5/31/2020</a:t>
             </a:fld>
             <a:endParaRPr lang="en-US" dirty="0"/>
           </a:p>
@@ -1009,7 +1138,7 @@
             <a:fld id="{B61BEF0D-F0BB-DE4B-95CE-6DB70DBA9567}" type="datetimeFigureOut">
               <a:rPr lang="en-US" dirty="0"/>
               <a:pPr/>
-              <a:t>5/30/2020</a:t>
+              <a:t>5/31/2020</a:t>
             </a:fld>
             <a:endParaRPr lang="en-US" dirty="0"/>
           </a:p>
@@ -1345,7 +1474,7 @@
             <a:fld id="{B61BEF0D-F0BB-DE4B-95CE-6DB70DBA9567}" type="datetimeFigureOut">
               <a:rPr lang="en-US" dirty="0"/>
               <a:pPr/>
-              <a:t>5/30/2020</a:t>
+              <a:t>5/31/2020</a:t>
             </a:fld>
             <a:endParaRPr lang="en-US" dirty="0"/>
           </a:p>
@@ -1689,7 +1818,7 @@
             <a:fld id="{B61BEF0D-F0BB-DE4B-95CE-6DB70DBA9567}" type="datetimeFigureOut">
               <a:rPr lang="en-US" dirty="0"/>
               <a:pPr/>
-              <a:t>5/30/2020</a:t>
+              <a:t>5/31/2020</a:t>
             </a:fld>
             <a:endParaRPr lang="en-US" dirty="0"/>
           </a:p>
@@ -2060,7 +2189,7 @@
             <a:fld id="{B61BEF0D-F0BB-DE4B-95CE-6DB70DBA9567}" type="datetimeFigureOut">
               <a:rPr lang="en-US" dirty="0"/>
               <a:pPr/>
-              <a:t>5/30/2020</a:t>
+              <a:t>5/31/2020</a:t>
             </a:fld>
             <a:endParaRPr lang="en-US" dirty="0"/>
           </a:p>
@@ -2527,7 +2656,7 @@
             <a:fld id="{B61BEF0D-F0BB-DE4B-95CE-6DB70DBA9567}" type="datetimeFigureOut">
               <a:rPr lang="en-US" dirty="0"/>
               <a:pPr/>
-              <a:t>5/30/2020</a:t>
+              <a:t>5/31/2020</a:t>
             </a:fld>
             <a:endParaRPr lang="en-US" dirty="0"/>
           </a:p>
@@ -2729,7 +2858,7 @@
             <a:fld id="{B61BEF0D-F0BB-DE4B-95CE-6DB70DBA9567}" type="datetimeFigureOut">
               <a:rPr lang="en-US" dirty="0"/>
               <a:pPr/>
-              <a:t>5/30/2020</a:t>
+              <a:t>5/31/2020</a:t>
             </a:fld>
             <a:endParaRPr lang="en-US" dirty="0"/>
           </a:p>
@@ -2937,7 +3066,7 @@
             <a:fld id="{B61BEF0D-F0BB-DE4B-95CE-6DB70DBA9567}" type="datetimeFigureOut">
               <a:rPr lang="en-US" dirty="0"/>
               <a:pPr/>
-              <a:t>5/30/2020</a:t>
+              <a:t>5/31/2020</a:t>
             </a:fld>
             <a:endParaRPr lang="en-US" dirty="0"/>
           </a:p>
@@ -3165,7 +3294,7 @@
           <a:p>
             <a:fld id="{52647F38-B617-4D2F-AE0A-013F0C4D2C57}" type="datetimeFigureOut">
               <a:rPr lang="en-US" dirty="0"/>
-              <a:t>5/30/2020</a:t>
+              <a:t>5/31/2020</a:t>
             </a:fld>
             <a:endParaRPr lang="en-US" dirty="0"/>
           </a:p>
@@ -3409,7 +3538,7 @@
             <a:fld id="{B61BEF0D-F0BB-DE4B-95CE-6DB70DBA9567}" type="datetimeFigureOut">
               <a:rPr lang="en-US" dirty="0"/>
               <a:pPr/>
-              <a:t>5/30/2020</a:t>
+              <a:t>5/31/2020</a:t>
             </a:fld>
             <a:endParaRPr lang="en-US" dirty="0"/>
           </a:p>
@@ -3703,7 +3832,7 @@
           <a:p>
             <a:fld id="{05BFA754-D5C3-4E66-96A6-867B257F58DC}" type="datetimeFigureOut">
               <a:rPr lang="en-US" dirty="0"/>
-              <a:t>5/30/2020</a:t>
+              <a:t>5/31/2020</a:t>
             </a:fld>
             <a:endParaRPr lang="en-US" dirty="0"/>
           </a:p>
@@ -4093,7 +4222,7 @@
             <a:fld id="{B61BEF0D-F0BB-DE4B-95CE-6DB70DBA9567}" type="datetimeFigureOut">
               <a:rPr lang="en-US" dirty="0"/>
               <a:pPr/>
-              <a:t>5/30/2020</a:t>
+              <a:t>5/31/2020</a:t>
             </a:fld>
             <a:endParaRPr lang="en-US" dirty="0"/>
           </a:p>
@@ -4239,7 +4368,7 @@
             <a:fld id="{B61BEF0D-F0BB-DE4B-95CE-6DB70DBA9567}" type="datetimeFigureOut">
               <a:rPr lang="en-US" dirty="0"/>
               <a:pPr/>
-              <a:t>5/30/2020</a:t>
+              <a:t>5/31/2020</a:t>
             </a:fld>
             <a:endParaRPr lang="en-US" dirty="0"/>
           </a:p>
@@ -4362,7 +4491,7 @@
             <a:fld id="{B61BEF0D-F0BB-DE4B-95CE-6DB70DBA9567}" type="datetimeFigureOut">
               <a:rPr lang="en-US" dirty="0"/>
               <a:pPr/>
-              <a:t>5/30/2020</a:t>
+              <a:t>5/31/2020</a:t>
             </a:fld>
             <a:endParaRPr lang="en-US" dirty="0"/>
           </a:p>
@@ -4614,7 +4743,7 @@
             <a:fld id="{B61BEF0D-F0BB-DE4B-95CE-6DB70DBA9567}" type="datetimeFigureOut">
               <a:rPr lang="en-US" dirty="0"/>
               <a:pPr/>
-              <a:t>5/30/2020</a:t>
+              <a:t>5/31/2020</a:t>
             </a:fld>
             <a:endParaRPr lang="en-US" dirty="0"/>
           </a:p>
@@ -4926,7 +5055,7 @@
             <a:fld id="{B61BEF0D-F0BB-DE4B-95CE-6DB70DBA9567}" type="datetimeFigureOut">
               <a:rPr lang="en-US" dirty="0"/>
               <a:pPr/>
-              <a:t>5/30/2020</a:t>
+              <a:t>5/31/2020</a:t>
             </a:fld>
             <a:endParaRPr lang="en-US" dirty="0"/>
           </a:p>
@@ -5274,7 +5403,7 @@
             <a:fld id="{B61BEF0D-F0BB-DE4B-95CE-6DB70DBA9567}" type="datetimeFigureOut">
               <a:rPr lang="en-US" dirty="0"/>
               <a:pPr/>
-              <a:t>5/30/2020</a:t>
+              <a:t>5/31/2020</a:t>
             </a:fld>
             <a:endParaRPr lang="en-US" dirty="0"/>
           </a:p>
@@ -7161,6 +7290,36 @@
           <a:chExt cx="0" cy="0"/>
         </a:xfrm>
       </p:grpSpPr>
+      <p:pic>
+        <p:nvPicPr>
+          <p:cNvPr id="8" name="Content Placeholder 7" descr="A close up of a map&#10;&#10;Description automatically generated">
+            <a:extLst>
+              <a:ext uri="{FF2B5EF4-FFF2-40B4-BE49-F238E27FC236}">
+                <a16:creationId xmlns:a16="http://schemas.microsoft.com/office/drawing/2014/main" id="{04BCF59C-CA85-48FB-8FB1-3676177EB764}"/>
+              </a:ext>
+            </a:extLst>
+          </p:cNvPr>
+          <p:cNvPicPr>
+            <a:picLocks noGrp="1" noChangeAspect="1"/>
+          </p:cNvPicPr>
+          <p:nvPr>
+            <p:ph idx="1"/>
+          </p:nvPr>
+        </p:nvPicPr>
+        <p:blipFill rotWithShape="1">
+          <a:blip r:embed="rId2">
+            <a:alphaModFix amt="24000"/>
+          </a:blip>
+          <a:srcRect l="2532" t="6674" r="2532" b="20883"/>
+          <a:stretch/>
+        </p:blipFill>
+        <p:spPr>
+          <a:xfrm>
+            <a:off x="609600" y="618836"/>
+            <a:ext cx="10972800" cy="5624946"/>
+          </a:xfrm>
+        </p:spPr>
+      </p:pic>
       <p:sp>
         <p:nvSpPr>
           <p:cNvPr id="2" name="Title 1">
@@ -7177,7 +7336,12 @@
             <p:ph type="title"/>
           </p:nvPr>
         </p:nvSpPr>
-        <p:spPr/>
+        <p:spPr>
+          <a:xfrm>
+            <a:off x="1295402" y="982132"/>
+            <a:ext cx="9601196" cy="1303867"/>
+          </a:xfrm>
+        </p:spPr>
         <p:txBody>
           <a:bodyPr/>
           <a:lstStyle/>
@@ -7191,78 +7355,10 @@
       </p:sp>
       <p:sp>
         <p:nvSpPr>
-          <p:cNvPr id="3" name="Content Placeholder 2">
+          <p:cNvPr id="9" name="TextBox 8">
             <a:extLst>
               <a:ext uri="{FF2B5EF4-FFF2-40B4-BE49-F238E27FC236}">
-                <a16:creationId xmlns:a16="http://schemas.microsoft.com/office/drawing/2014/main" id="{7660AACF-EE48-4818-BAC5-268A473208B7}"/>
-              </a:ext>
-            </a:extLst>
-          </p:cNvPr>
-          <p:cNvSpPr>
-            <a:spLocks noGrp="1"/>
-          </p:cNvSpPr>
-          <p:nvPr>
-            <p:ph idx="1"/>
-          </p:nvPr>
-        </p:nvSpPr>
-        <p:spPr/>
-        <p:txBody>
-          <a:bodyPr/>
-          <a:lstStyle/>
-          <a:p>
-            <a:r>
-              <a:rPr lang="en-US" dirty="0" err="1"/>
-              <a:t>Angies</a:t>
-            </a:r>
-            <a:r>
-              <a:rPr lang="en-US" dirty="0"/>
-              <a:t> Map</a:t>
-            </a:r>
-          </a:p>
-        </p:txBody>
-      </p:sp>
-      <p:pic>
-        <p:nvPicPr>
-          <p:cNvPr id="5" name="Picture 4" descr="A picture containing nature, grass, river, water&#10;&#10;Description automatically generated">
-            <a:extLst>
-              <a:ext uri="{FF2B5EF4-FFF2-40B4-BE49-F238E27FC236}">
-                <a16:creationId xmlns:a16="http://schemas.microsoft.com/office/drawing/2014/main" id="{958042B4-CA67-4A93-A4F7-2EBDAA75550F}"/>
-              </a:ext>
-            </a:extLst>
-          </p:cNvPr>
-          <p:cNvPicPr>
-            <a:picLocks noChangeAspect="1"/>
-          </p:cNvPicPr>
-          <p:nvPr/>
-        </p:nvPicPr>
-        <p:blipFill>
-          <a:blip r:embed="rId2">
-            <a:extLst>
-              <a:ext uri="{837473B0-CC2E-450A-ABE3-18F120FF3D39}">
-                <a1611:picAttrSrcUrl xmlns:a1611="http://schemas.microsoft.com/office/drawing/2016/11/main" r:id="rId3"/>
-              </a:ext>
-            </a:extLst>
-          </a:blip>
-          <a:stretch>
-            <a:fillRect/>
-          </a:stretch>
-        </p:blipFill>
-        <p:spPr>
-          <a:xfrm>
-            <a:off x="7238997" y="2919477"/>
-            <a:ext cx="3657600" cy="2356104"/>
-          </a:xfrm>
-          <a:prstGeom prst="rect">
-            <a:avLst/>
-          </a:prstGeom>
-        </p:spPr>
-      </p:pic>
-      <p:sp>
-        <p:nvSpPr>
-          <p:cNvPr id="6" name="TextBox 5">
-            <a:extLst>
-              <a:ext uri="{FF2B5EF4-FFF2-40B4-BE49-F238E27FC236}">
-                <a16:creationId xmlns:a16="http://schemas.microsoft.com/office/drawing/2014/main" id="{97C2877F-ED67-4D33-90A0-E6C73F2B6FE6}"/>
+                <a16:creationId xmlns:a16="http://schemas.microsoft.com/office/drawing/2014/main" id="{62423AB3-A64A-4495-8FE8-127171161789}"/>
               </a:ext>
             </a:extLst>
           </p:cNvPr>
@@ -7271,8 +7367,8 @@
         </p:nvSpPr>
         <p:spPr>
           <a:xfrm>
-            <a:off x="7238997" y="5275581"/>
-            <a:ext cx="3657600" cy="230832"/>
+            <a:off x="1295403" y="2533475"/>
+            <a:ext cx="9601196" cy="1200329"/>
           </a:xfrm>
           <a:prstGeom prst="rect">
             <a:avLst/>
@@ -7286,22 +7382,15 @@
           <a:lstStyle/>
           <a:p>
             <a:r>
-              <a:rPr lang="en-US" sz="900">
-                <a:hlinkClick r:id="rId3" tooltip="https://en.wikipedia.org/wiki/Seljalandsfoss"/>
-              </a:rPr>
-              <a:t>This Photo</a:t>
-            </a:r>
-            <a:r>
-              <a:rPr lang="en-US" sz="900"/>
-              <a:t> by Unknown Author is licensed under </a:t>
-            </a:r>
-            <a:r>
-              <a:rPr lang="en-US" sz="900">
-                <a:hlinkClick r:id="rId4" tooltip="https://creativecommons.org/licenses/by-sa/3.0/"/>
-              </a:rPr>
-              <a:t>CC BY-SA</a:t>
-            </a:r>
-            <a:endParaRPr lang="en-US" sz="900"/>
+              <a:rPr lang="en-US" dirty="0"/>
+              <a:t>Angie and Brett, can you put in some bullet points here that you would want to see on the screen? </a:t>
+            </a:r>
+          </a:p>
+          <a:p>
+            <a:r>
+              <a:rPr lang="en-US" dirty="0"/>
+              <a:t>What do you think about the image in the background? I put it there as kind of a preview and if you did not want to say anything about it, you do not have to. We can just pretend it is nothing to talk about and then see if Matt or anyone notices that this is an image of the site. What do you all think?</a:t>
+            </a:r>
           </a:p>
         </p:txBody>
       </p:sp>
@@ -7381,10 +7470,47 @@
         </p:nvSpPr>
         <p:spPr/>
         <p:txBody>
-          <a:bodyPr/>
-          <a:lstStyle/>
-          <a:p>
-            <a:endParaRPr lang="en-US"/>
+          <a:bodyPr>
+            <a:normAutofit fontScale="70000" lnSpcReduction="20000"/>
+          </a:bodyPr>
+          <a:lstStyle/>
+          <a:p>
+            <a:r>
+              <a:rPr lang="en-US" dirty="0"/>
+              <a:t>Hey guys, what other sites do I need to add here?</a:t>
+            </a:r>
+          </a:p>
+          <a:p>
+            <a:endParaRPr lang="en-US" dirty="0"/>
+          </a:p>
+          <a:p>
+            <a:r>
+              <a:rPr lang="en-US" dirty="0"/>
+              <a:t>1. Rhone, A. (2017, December 4). ERS's Updated Food Environment Atlas Shows an Increase in Fast Food Restaurants Between 2009 and 2014. Retrieved May 27, 2020, from http://www.ers.usda.gov/amber-waves/2017/december/ers-s-updated-food-environment-atlas-shows-an-increase-in-fast-food-restaurants-between-2009-and-2014/</a:t>
+            </a:r>
+          </a:p>
+          <a:p>
+            <a:r>
+              <a:rPr lang="en-US" dirty="0"/>
+              <a:t>2. 1 in 7 Americans Lived in Poverty in 2009 ... - PBS NewsHour. (2010, September 16). Retrieved May 28, 2020, from https://www.pbs.org/newshour/economy/poverty-uninsured-rates-rise-as-recession-continues</a:t>
+            </a:r>
+          </a:p>
+          <a:p>
+            <a:r>
+              <a:rPr lang="en-US" dirty="0"/>
+              <a:t>3. </a:t>
+            </a:r>
+            <a:r>
+              <a:rPr lang="en-US" dirty="0" err="1"/>
+              <a:t>DeNavas</a:t>
+            </a:r>
+            <a:r>
+              <a:rPr lang="en-US" dirty="0"/>
+              <a:t>-Walt, C., &amp; Proctor, B. D. (2018, July 25). Income and Poverty in the United States: 2014. Retrieved May 27, 2020, from https://www.census.gov/library/publications/2015/demo/p60-252.html</a:t>
+            </a:r>
+          </a:p>
+          <a:p>
+            <a:endParaRPr lang="en-US" dirty="0"/>
           </a:p>
         </p:txBody>
       </p:sp>
@@ -7635,6 +7761,15 @@
 </file>
 
 <file path=customXml/item1.xml><?xml version="1.0" encoding="utf-8"?>
+<?mso-contentType ?>
+<FormTemplates xmlns="http://schemas.microsoft.com/sharepoint/v3/contenttype/forms">
+  <Display>DocumentLibraryForm</Display>
+  <Edit>DocumentLibraryForm</Edit>
+  <New>DocumentLibraryForm</New>
+</FormTemplates>
+</file>
+
+<file path=customXml/item2.xml><?xml version="1.0" encoding="utf-8"?>
 <ct:contentTypeSchema xmlns:ct="http://schemas.microsoft.com/office/2006/metadata/contentType" xmlns:ma="http://schemas.microsoft.com/office/2006/metadata/properties/metaAttributes" ct:_="" ma:_="" ma:contentTypeName="Document" ma:contentTypeID="0x0101000D367A26A3A9FB46979047D8E7015C4A" ma:contentTypeVersion="10" ma:contentTypeDescription="Create a new document." ma:contentTypeScope="" ma:versionID="c397597226638140e4af44b18f66294f">
   <xsd:schema xmlns:xsd="http://www.w3.org/2001/XMLSchema" xmlns:xs="http://www.w3.org/2001/XMLSchema" xmlns:p="http://schemas.microsoft.com/office/2006/metadata/properties" xmlns:ns3="50dc16db-6b20-4902-9ede-91f917c6298c" targetNamespace="http://schemas.microsoft.com/office/2006/metadata/properties" ma:root="true" ma:fieldsID="0462f3abd3eea1e9813070414a2ed6a7" ns3:_="">
     <xsd:import namespace="50dc16db-6b20-4902-9ede-91f917c6298c"/>
@@ -7818,15 +7953,6 @@
 </ct:contentTypeSchema>
 </file>
 
-<file path=customXml/item2.xml><?xml version="1.0" encoding="utf-8"?>
-<?mso-contentType ?>
-<FormTemplates xmlns="http://schemas.microsoft.com/sharepoint/v3/contenttype/forms">
-  <Display>DocumentLibraryForm</Display>
-  <Edit>DocumentLibraryForm</Edit>
-  <New>DocumentLibraryForm</New>
-</FormTemplates>
-</file>
-
 <file path=customXml/item3.xml><?xml version="1.0" encoding="utf-8"?>
 <p:properties xmlns:p="http://schemas.microsoft.com/office/2006/metadata/properties" xmlns:xsi="http://www.w3.org/2001/XMLSchema-instance" xmlns:pc="http://schemas.microsoft.com/office/infopath/2007/PartnerControls">
   <documentManagement/>
@@ -7834,6 +7960,14 @@
 </file>
 
 <file path=customXml/itemProps1.xml><?xml version="1.0" encoding="utf-8"?>
+<ds:datastoreItem xmlns:ds="http://schemas.openxmlformats.org/officeDocument/2006/customXml" ds:itemID="{095DDF68-74F1-48E3-9D9D-99C6935151AB}">
+  <ds:schemaRefs>
+    <ds:schemaRef ds:uri="http://schemas.microsoft.com/sharepoint/v3/contenttype/forms"/>
+  </ds:schemaRefs>
+</ds:datastoreItem>
+</file>
+
+<file path=customXml/itemProps2.xml><?xml version="1.0" encoding="utf-8"?>
 <ds:datastoreItem xmlns:ds="http://schemas.openxmlformats.org/officeDocument/2006/customXml" ds:itemID="{DA7F126D-5826-4818-87EB-F38B0209BCB5}">
   <ds:schemaRefs>
     <ds:schemaRef ds:uri="http://schemas.microsoft.com/office/2006/metadata/contentType"/>
@@ -7851,26 +7985,18 @@
 </ds:datastoreItem>
 </file>
 
-<file path=customXml/itemProps2.xml><?xml version="1.0" encoding="utf-8"?>
-<ds:datastoreItem xmlns:ds="http://schemas.openxmlformats.org/officeDocument/2006/customXml" ds:itemID="{095DDF68-74F1-48E3-9D9D-99C6935151AB}">
-  <ds:schemaRefs>
-    <ds:schemaRef ds:uri="http://schemas.microsoft.com/sharepoint/v3/contenttype/forms"/>
-  </ds:schemaRefs>
-</ds:datastoreItem>
-</file>
-
 <file path=customXml/itemProps3.xml><?xml version="1.0" encoding="utf-8"?>
 <ds:datastoreItem xmlns:ds="http://schemas.openxmlformats.org/officeDocument/2006/customXml" ds:itemID="{B5BC51F4-4A37-4125-A439-1E6CE0C2C279}">
   <ds:schemaRefs>
+    <ds:schemaRef ds:uri="http://purl.org/dc/terms/"/>
     <ds:schemaRef ds:uri="http://schemas.openxmlformats.org/package/2006/metadata/core-properties"/>
+    <ds:schemaRef ds:uri="http://purl.org/dc/dcmitype/"/>
+    <ds:schemaRef ds:uri="http://schemas.microsoft.com/office/infopath/2007/PartnerControls"/>
     <ds:schemaRef ds:uri="http://schemas.microsoft.com/office/2006/documentManagement/types"/>
-    <ds:schemaRef ds:uri="http://purl.org/dc/terms/"/>
-    <ds:schemaRef ds:uri="http://schemas.microsoft.com/office/infopath/2007/PartnerControls"/>
     <ds:schemaRef ds:uri="http://purl.org/dc/elements/1.1/"/>
     <ds:schemaRef ds:uri="http://schemas.microsoft.com/office/2006/metadata/properties"/>
     <ds:schemaRef ds:uri="50dc16db-6b20-4902-9ede-91f917c6298c"/>
     <ds:schemaRef ds:uri="http://www.w3.org/XML/1998/namespace"/>
-    <ds:schemaRef ds:uri="http://purl.org/dc/dcmitype/"/>
   </ds:schemaRefs>
 </ds:datastoreItem>
 </file>
--- a/Poverty & Fast Food.pptx
+++ b/Poverty & Fast Food.pptx
@@ -9,7 +9,10 @@
     <p:sldId id="257" r:id="rId6"/>
     <p:sldId id="258" r:id="rId7"/>
     <p:sldId id="259" r:id="rId8"/>
-    <p:sldId id="261" r:id="rId9"/>
+    <p:sldId id="262" r:id="rId9"/>
+    <p:sldId id="263" r:id="rId10"/>
+    <p:sldId id="264" r:id="rId11"/>
+    <p:sldId id="261" r:id="rId12"/>
   </p:sldIdLst>
   <p:sldSz cx="12192000" cy="6858000"/>
   <p:notesSz cx="6858000" cy="9144000"/>
@@ -122,122 +125,6 @@
     <p1510:client id="{FD5F0F38-8C05-481D-A15C-06A066292A11}" v="5" dt="2020-05-31T23:38:06.461"/>
   </p1510:revLst>
 </p1510:revInfo>
-</file>
-
-<file path=ppt/changesInfos/changesInfo1.xml><?xml version="1.0" encoding="utf-8"?>
-<pc:chgInfo xmlns:a="http://schemas.openxmlformats.org/drawingml/2006/main" xmlns:r="http://schemas.openxmlformats.org/officeDocument/2006/relationships" xmlns:ac="http://schemas.microsoft.com/office/drawing/2013/main/command" xmlns:pc="http://schemas.microsoft.com/office/powerpoint/2013/main/command">
-  <pc:docChgLst>
-    <pc:chgData name="Kenneth Knisley" userId="05a3edc7-46e3-4d88-aedd-0b541b967259" providerId="ADAL" clId="{FD5F0F38-8C05-481D-A15C-06A066292A11}"/>
-    <pc:docChg chg="undo custSel mod modSld">
-      <pc:chgData name="Kenneth Knisley" userId="05a3edc7-46e3-4d88-aedd-0b541b967259" providerId="ADAL" clId="{FD5F0F38-8C05-481D-A15C-06A066292A11}" dt="2020-05-31T23:47:23.480" v="740" actId="27636"/>
-      <pc:docMkLst>
-        <pc:docMk/>
-      </pc:docMkLst>
-      <pc:sldChg chg="addSp delSp modSp mod setBg setClrOvrMap">
-        <pc:chgData name="Kenneth Knisley" userId="05a3edc7-46e3-4d88-aedd-0b541b967259" providerId="ADAL" clId="{FD5F0F38-8C05-481D-A15C-06A066292A11}" dt="2020-05-31T23:37:53.584" v="675" actId="20577"/>
-        <pc:sldMkLst>
-          <pc:docMk/>
-          <pc:sldMk cId="3300073884" sldId="259"/>
-        </pc:sldMkLst>
-        <pc:spChg chg="mod ord">
-          <ac:chgData name="Kenneth Knisley" userId="05a3edc7-46e3-4d88-aedd-0b541b967259" providerId="ADAL" clId="{FD5F0F38-8C05-481D-A15C-06A066292A11}" dt="2020-05-31T23:33:11.978" v="149" actId="26606"/>
-          <ac:spMkLst>
-            <pc:docMk/>
-            <pc:sldMk cId="3300073884" sldId="259"/>
-            <ac:spMk id="2" creationId="{A5ABF7AC-DD02-49E9-8454-8EAF7113A0E5}"/>
-          </ac:spMkLst>
-        </pc:spChg>
-        <pc:spChg chg="del mod">
-          <ac:chgData name="Kenneth Knisley" userId="05a3edc7-46e3-4d88-aedd-0b541b967259" providerId="ADAL" clId="{FD5F0F38-8C05-481D-A15C-06A066292A11}" dt="2020-05-31T23:31:09.697" v="25" actId="931"/>
-          <ac:spMkLst>
-            <pc:docMk/>
-            <pc:sldMk cId="3300073884" sldId="259"/>
-            <ac:spMk id="3" creationId="{7660AACF-EE48-4818-BAC5-268A473208B7}"/>
-          </ac:spMkLst>
-        </pc:spChg>
-        <pc:spChg chg="add del">
-          <ac:chgData name="Kenneth Knisley" userId="05a3edc7-46e3-4d88-aedd-0b541b967259" providerId="ADAL" clId="{FD5F0F38-8C05-481D-A15C-06A066292A11}" dt="2020-05-31T23:30:50.337" v="23"/>
-          <ac:spMkLst>
-            <pc:docMk/>
-            <pc:sldMk cId="3300073884" sldId="259"/>
-            <ac:spMk id="4" creationId="{CAF46661-9ED3-460A-94B5-6A9D515AAD89}"/>
-          </ac:spMkLst>
-        </pc:spChg>
-        <pc:spChg chg="del">
-          <ac:chgData name="Kenneth Knisley" userId="05a3edc7-46e3-4d88-aedd-0b541b967259" providerId="ADAL" clId="{FD5F0F38-8C05-481D-A15C-06A066292A11}" dt="2020-05-31T23:30:51.998" v="24" actId="478"/>
-          <ac:spMkLst>
-            <pc:docMk/>
-            <pc:sldMk cId="3300073884" sldId="259"/>
-            <ac:spMk id="6" creationId="{97C2877F-ED67-4D33-90A0-E6C73F2B6FE6}"/>
-          </ac:spMkLst>
-        </pc:spChg>
-        <pc:spChg chg="add mod">
-          <ac:chgData name="Kenneth Knisley" userId="05a3edc7-46e3-4d88-aedd-0b541b967259" providerId="ADAL" clId="{FD5F0F38-8C05-481D-A15C-06A066292A11}" dt="2020-05-31T23:37:53.584" v="675" actId="20577"/>
-          <ac:spMkLst>
-            <pc:docMk/>
-            <pc:sldMk cId="3300073884" sldId="259"/>
-            <ac:spMk id="9" creationId="{62423AB3-A64A-4495-8FE8-127171161789}"/>
-          </ac:spMkLst>
-        </pc:spChg>
-        <pc:spChg chg="add del">
-          <ac:chgData name="Kenneth Knisley" userId="05a3edc7-46e3-4d88-aedd-0b541b967259" providerId="ADAL" clId="{FD5F0F38-8C05-481D-A15C-06A066292A11}" dt="2020-05-31T23:33:11.978" v="149" actId="26606"/>
-          <ac:spMkLst>
-            <pc:docMk/>
-            <pc:sldMk cId="3300073884" sldId="259"/>
-            <ac:spMk id="12" creationId="{EBE5941B-C098-4F2F-8A0C-AFCAB83E58D7}"/>
-          </ac:spMkLst>
-        </pc:spChg>
-        <pc:spChg chg="add del">
-          <ac:chgData name="Kenneth Knisley" userId="05a3edc7-46e3-4d88-aedd-0b541b967259" providerId="ADAL" clId="{FD5F0F38-8C05-481D-A15C-06A066292A11}" dt="2020-05-31T23:33:11.978" v="149" actId="26606"/>
-          <ac:spMkLst>
-            <pc:docMk/>
-            <pc:sldMk cId="3300073884" sldId="259"/>
-            <ac:spMk id="15" creationId="{5EB8E3BF-F464-4900-8994-851061A9AD60}"/>
-          </ac:spMkLst>
-        </pc:spChg>
-        <pc:picChg chg="del">
-          <ac:chgData name="Kenneth Knisley" userId="05a3edc7-46e3-4d88-aedd-0b541b967259" providerId="ADAL" clId="{FD5F0F38-8C05-481D-A15C-06A066292A11}" dt="2020-05-31T23:30:51.998" v="24" actId="478"/>
-          <ac:picMkLst>
-            <pc:docMk/>
-            <pc:sldMk cId="3300073884" sldId="259"/>
-            <ac:picMk id="5" creationId="{958042B4-CA67-4A93-A4F7-2EBDAA75550F}"/>
-          </ac:picMkLst>
-        </pc:picChg>
-        <pc:picChg chg="add mod ord modCrop">
-          <ac:chgData name="Kenneth Knisley" userId="05a3edc7-46e3-4d88-aedd-0b541b967259" providerId="ADAL" clId="{FD5F0F38-8C05-481D-A15C-06A066292A11}" dt="2020-05-31T23:35:25.998" v="188" actId="167"/>
-          <ac:picMkLst>
-            <pc:docMk/>
-            <pc:sldMk cId="3300073884" sldId="259"/>
-            <ac:picMk id="8" creationId="{04BCF59C-CA85-48FB-8FB1-3676177EB764}"/>
-          </ac:picMkLst>
-        </pc:picChg>
-        <pc:cxnChg chg="add del">
-          <ac:chgData name="Kenneth Knisley" userId="05a3edc7-46e3-4d88-aedd-0b541b967259" providerId="ADAL" clId="{FD5F0F38-8C05-481D-A15C-06A066292A11}" dt="2020-05-31T23:33:11.978" v="149" actId="26606"/>
-          <ac:cxnSpMkLst>
-            <pc:docMk/>
-            <pc:sldMk cId="3300073884" sldId="259"/>
-            <ac:cxnSpMk id="17" creationId="{8E0602D6-3A81-42F8-AE67-1BAAFC967CB0}"/>
-          </ac:cxnSpMkLst>
-        </pc:cxnChg>
-      </pc:sldChg>
-      <pc:sldChg chg="modSp">
-        <pc:chgData name="Kenneth Knisley" userId="05a3edc7-46e3-4d88-aedd-0b541b967259" providerId="ADAL" clId="{FD5F0F38-8C05-481D-A15C-06A066292A11}" dt="2020-05-31T23:47:23.480" v="740" actId="27636"/>
-        <pc:sldMkLst>
-          <pc:docMk/>
-          <pc:sldMk cId="2615889952" sldId="261"/>
-        </pc:sldMkLst>
-        <pc:spChg chg="mod">
-          <ac:chgData name="Kenneth Knisley" userId="05a3edc7-46e3-4d88-aedd-0b541b967259" providerId="ADAL" clId="{FD5F0F38-8C05-481D-A15C-06A066292A11}" dt="2020-05-31T23:47:23.480" v="740" actId="27636"/>
-          <ac:spMkLst>
-            <pc:docMk/>
-            <pc:sldMk cId="2615889952" sldId="261"/>
-            <ac:spMk id="3" creationId="{6D844C73-90CE-489D-B24D-665D7631001F}"/>
-          </ac:spMkLst>
-        </pc:spChg>
-      </pc:sldChg>
-    </pc:docChg>
-  </pc:docChgLst>
-</pc:chgInfo>
 </file>
 
 <file path=ppt/slideLayouts/slideLayout1.xml><?xml version="1.0" encoding="utf-8"?>
@@ -572,7 +459,7 @@
             <a:fld id="{B61BEF0D-F0BB-DE4B-95CE-6DB70DBA9567}" type="datetimeFigureOut">
               <a:rPr lang="en-US" dirty="0"/>
               <a:pPr/>
-              <a:t>5/31/2020</a:t>
+              <a:t>6/1/20</a:t>
             </a:fld>
             <a:endParaRPr lang="en-US" dirty="0"/>
           </a:p>
@@ -893,7 +780,7 @@
             <a:fld id="{B61BEF0D-F0BB-DE4B-95CE-6DB70DBA9567}" type="datetimeFigureOut">
               <a:rPr lang="en-US" dirty="0"/>
               <a:pPr/>
-              <a:t>5/31/2020</a:t>
+              <a:t>6/1/20</a:t>
             </a:fld>
             <a:endParaRPr lang="en-US" dirty="0"/>
           </a:p>
@@ -1138,7 +1025,7 @@
             <a:fld id="{B61BEF0D-F0BB-DE4B-95CE-6DB70DBA9567}" type="datetimeFigureOut">
               <a:rPr lang="en-US" dirty="0"/>
               <a:pPr/>
-              <a:t>5/31/2020</a:t>
+              <a:t>6/1/20</a:t>
             </a:fld>
             <a:endParaRPr lang="en-US" dirty="0"/>
           </a:p>
@@ -1474,7 +1361,7 @@
             <a:fld id="{B61BEF0D-F0BB-DE4B-95CE-6DB70DBA9567}" type="datetimeFigureOut">
               <a:rPr lang="en-US" dirty="0"/>
               <a:pPr/>
-              <a:t>5/31/2020</a:t>
+              <a:t>6/1/20</a:t>
             </a:fld>
             <a:endParaRPr lang="en-US" dirty="0"/>
           </a:p>
@@ -1818,7 +1705,7 @@
             <a:fld id="{B61BEF0D-F0BB-DE4B-95CE-6DB70DBA9567}" type="datetimeFigureOut">
               <a:rPr lang="en-US" dirty="0"/>
               <a:pPr/>
-              <a:t>5/31/2020</a:t>
+              <a:t>6/1/20</a:t>
             </a:fld>
             <a:endParaRPr lang="en-US" dirty="0"/>
           </a:p>
@@ -2189,7 +2076,7 @@
             <a:fld id="{B61BEF0D-F0BB-DE4B-95CE-6DB70DBA9567}" type="datetimeFigureOut">
               <a:rPr lang="en-US" dirty="0"/>
               <a:pPr/>
-              <a:t>5/31/2020</a:t>
+              <a:t>6/1/20</a:t>
             </a:fld>
             <a:endParaRPr lang="en-US" dirty="0"/>
           </a:p>
@@ -2656,7 +2543,7 @@
             <a:fld id="{B61BEF0D-F0BB-DE4B-95CE-6DB70DBA9567}" type="datetimeFigureOut">
               <a:rPr lang="en-US" dirty="0"/>
               <a:pPr/>
-              <a:t>5/31/2020</a:t>
+              <a:t>6/1/20</a:t>
             </a:fld>
             <a:endParaRPr lang="en-US" dirty="0"/>
           </a:p>
@@ -2858,7 +2745,7 @@
             <a:fld id="{B61BEF0D-F0BB-DE4B-95CE-6DB70DBA9567}" type="datetimeFigureOut">
               <a:rPr lang="en-US" dirty="0"/>
               <a:pPr/>
-              <a:t>5/31/2020</a:t>
+              <a:t>6/1/20</a:t>
             </a:fld>
             <a:endParaRPr lang="en-US" dirty="0"/>
           </a:p>
@@ -3066,7 +2953,7 @@
             <a:fld id="{B61BEF0D-F0BB-DE4B-95CE-6DB70DBA9567}" type="datetimeFigureOut">
               <a:rPr lang="en-US" dirty="0"/>
               <a:pPr/>
-              <a:t>5/31/2020</a:t>
+              <a:t>6/1/20</a:t>
             </a:fld>
             <a:endParaRPr lang="en-US" dirty="0"/>
           </a:p>
@@ -3294,7 +3181,7 @@
           <a:p>
             <a:fld id="{52647F38-B617-4D2F-AE0A-013F0C4D2C57}" type="datetimeFigureOut">
               <a:rPr lang="en-US" dirty="0"/>
-              <a:t>5/31/2020</a:t>
+              <a:t>6/1/20</a:t>
             </a:fld>
             <a:endParaRPr lang="en-US" dirty="0"/>
           </a:p>
@@ -3538,7 +3425,7 @@
             <a:fld id="{B61BEF0D-F0BB-DE4B-95CE-6DB70DBA9567}" type="datetimeFigureOut">
               <a:rPr lang="en-US" dirty="0"/>
               <a:pPr/>
-              <a:t>5/31/2020</a:t>
+              <a:t>6/1/20</a:t>
             </a:fld>
             <a:endParaRPr lang="en-US" dirty="0"/>
           </a:p>
@@ -3832,7 +3719,7 @@
           <a:p>
             <a:fld id="{05BFA754-D5C3-4E66-96A6-867B257F58DC}" type="datetimeFigureOut">
               <a:rPr lang="en-US" dirty="0"/>
-              <a:t>5/31/2020</a:t>
+              <a:t>6/1/20</a:t>
             </a:fld>
             <a:endParaRPr lang="en-US" dirty="0"/>
           </a:p>
@@ -4222,7 +4109,7 @@
             <a:fld id="{B61BEF0D-F0BB-DE4B-95CE-6DB70DBA9567}" type="datetimeFigureOut">
               <a:rPr lang="en-US" dirty="0"/>
               <a:pPr/>
-              <a:t>5/31/2020</a:t>
+              <a:t>6/1/20</a:t>
             </a:fld>
             <a:endParaRPr lang="en-US" dirty="0"/>
           </a:p>
@@ -4368,7 +4255,7 @@
             <a:fld id="{B61BEF0D-F0BB-DE4B-95CE-6DB70DBA9567}" type="datetimeFigureOut">
               <a:rPr lang="en-US" dirty="0"/>
               <a:pPr/>
-              <a:t>5/31/2020</a:t>
+              <a:t>6/1/20</a:t>
             </a:fld>
             <a:endParaRPr lang="en-US" dirty="0"/>
           </a:p>
@@ -4491,7 +4378,7 @@
             <a:fld id="{B61BEF0D-F0BB-DE4B-95CE-6DB70DBA9567}" type="datetimeFigureOut">
               <a:rPr lang="en-US" dirty="0"/>
               <a:pPr/>
-              <a:t>5/31/2020</a:t>
+              <a:t>6/1/20</a:t>
             </a:fld>
             <a:endParaRPr lang="en-US" dirty="0"/>
           </a:p>
@@ -4743,7 +4630,7 @@
             <a:fld id="{B61BEF0D-F0BB-DE4B-95CE-6DB70DBA9567}" type="datetimeFigureOut">
               <a:rPr lang="en-US" dirty="0"/>
               <a:pPr/>
-              <a:t>5/31/2020</a:t>
+              <a:t>6/1/20</a:t>
             </a:fld>
             <a:endParaRPr lang="en-US" dirty="0"/>
           </a:p>
@@ -5055,7 +4942,7 @@
             <a:fld id="{B61BEF0D-F0BB-DE4B-95CE-6DB70DBA9567}" type="datetimeFigureOut">
               <a:rPr lang="en-US" dirty="0"/>
               <a:pPr/>
-              <a:t>5/31/2020</a:t>
+              <a:t>6/1/20</a:t>
             </a:fld>
             <a:endParaRPr lang="en-US" dirty="0"/>
           </a:p>
@@ -5403,7 +5290,7 @@
             <a:fld id="{B61BEF0D-F0BB-DE4B-95CE-6DB70DBA9567}" type="datetimeFigureOut">
               <a:rPr lang="en-US" dirty="0"/>
               <a:pPr/>
-              <a:t>5/31/2020</a:t>
+              <a:t>6/1/20</a:t>
             </a:fld>
             <a:endParaRPr lang="en-US" dirty="0"/>
           </a:p>
@@ -6561,7 +6448,7 @@
                   <a:srgbClr val="262626"/>
                 </a:solidFill>
               </a:rPr>
-              <a:t>What we can learn from the data, no matter the outcome</a:t>
+              <a:t>Relationship between unemployment and poverty. </a:t>
             </a:r>
           </a:p>
           <a:p>
@@ -7074,13 +6961,13 @@
         </p:nvSpPr>
         <p:spPr>
           <a:xfrm>
-            <a:off x="1295401" y="2493774"/>
-            <a:ext cx="3660057" cy="3382094"/>
+            <a:off x="914400" y="2493774"/>
+            <a:ext cx="4327451" cy="3382094"/>
           </a:xfrm>
         </p:spPr>
         <p:txBody>
           <a:bodyPr>
-            <a:normAutofit/>
+            <a:normAutofit fontScale="92500" lnSpcReduction="10000"/>
           </a:bodyPr>
           <a:lstStyle/>
           <a:p>
@@ -7091,7 +6978,7 @@
                   <a:srgbClr val="262626"/>
                 </a:solidFill>
               </a:rPr>
-              <a:t>API</a:t>
+              <a:t>Dynamic Map with County and Restaurant Data</a:t>
             </a:r>
           </a:p>
           <a:p>
@@ -7102,7 +6989,7 @@
                   <a:srgbClr val="262626"/>
                 </a:solidFill>
               </a:rPr>
-              <a:t>MongoDB</a:t>
+              <a:t>Leaflet Dynamic Sidebar</a:t>
             </a:r>
           </a:p>
           <a:p>
@@ -7113,7 +7000,7 @@
                   <a:srgbClr val="262626"/>
                 </a:solidFill>
               </a:rPr>
-              <a:t>Leaflet plugin w/ sidebar </a:t>
+              <a:t>D3 for graphing</a:t>
             </a:r>
           </a:p>
           <a:p>
@@ -7124,7 +7011,37 @@
                   <a:srgbClr val="262626"/>
                 </a:solidFill>
               </a:rPr>
-              <a:t>Scrapped Data </a:t>
+              <a:t>API to Obtain Data</a:t>
+            </a:r>
+          </a:p>
+          <a:p>
+            <a:pPr algn="ctr"/>
+            <a:r>
+              <a:rPr lang="en-US" dirty="0">
+                <a:solidFill>
+                  <a:srgbClr val="262626"/>
+                </a:solidFill>
+              </a:rPr>
+              <a:t>Splinter to Obtain Scraped Data</a:t>
+            </a:r>
+          </a:p>
+          <a:p>
+            <a:pPr algn="ctr"/>
+            <a:r>
+              <a:rPr lang="en-US" dirty="0" err="1">
+                <a:solidFill>
+                  <a:srgbClr val="262626"/>
+                </a:solidFill>
+              </a:rPr>
+              <a:t>PyMongo</a:t>
+            </a:r>
+            <a:r>
+              <a:rPr lang="en-US" dirty="0">
+                <a:solidFill>
+                  <a:srgbClr val="262626"/>
+                </a:solidFill>
+              </a:rPr>
+              <a:t> to Transfer Data to Mongo DB </a:t>
             </a:r>
           </a:p>
           <a:p>
@@ -7165,8 +7082,8 @@
         </p:blipFill>
         <p:spPr>
           <a:xfrm>
-            <a:off x="5418668" y="1899506"/>
-            <a:ext cx="5469466" cy="3058985"/>
+            <a:off x="5943351" y="2493774"/>
+            <a:ext cx="4792134" cy="3058985"/>
           </a:xfrm>
           <a:prstGeom prst="rect">
             <a:avLst/>
@@ -7348,7 +7265,7 @@
           <a:p>
             <a:r>
               <a:rPr lang="en-US" dirty="0"/>
-              <a:t>The Site</a:t>
+              <a:t>Data ETL</a:t>
             </a:r>
           </a:p>
         </p:txBody>
@@ -7368,7 +7285,7 @@
         <p:spPr>
           <a:xfrm>
             <a:off x="1295403" y="2533475"/>
-            <a:ext cx="9601196" cy="1200329"/>
+            <a:ext cx="9601196" cy="3785652"/>
           </a:xfrm>
           <a:prstGeom prst="rect">
             <a:avLst/>
@@ -7381,16 +7298,89 @@
           </a:bodyPr>
           <a:lstStyle/>
           <a:p>
-            <a:r>
-              <a:rPr lang="en-US" dirty="0"/>
-              <a:t>Angie and Brett, can you put in some bullet points here that you would want to see on the screen? </a:t>
-            </a:r>
-          </a:p>
-          <a:p>
-            <a:r>
-              <a:rPr lang="en-US" dirty="0"/>
-              <a:t>What do you think about the image in the background? I put it there as kind of a preview and if you did not want to say anything about it, you do not have to. We can just pretend it is nothing to talk about and then see if Matt or anyone notices that this is an image of the site. What do you all think?</a:t>
-            </a:r>
+            <a:pPr marL="285750" indent="-285750">
+              <a:buFont typeface="Arial" panose="020B0604020202020204" pitchFamily="34" charset="0"/>
+              <a:buChar char="•"/>
+            </a:pPr>
+            <a:r>
+              <a:rPr lang="en-US" sz="2400" dirty="0"/>
+              <a:t>Map:</a:t>
+            </a:r>
+          </a:p>
+          <a:p>
+            <a:pPr marL="742950" lvl="1" indent="-285750">
+              <a:buFont typeface="Arial" panose="020B0604020202020204" pitchFamily="34" charset="0"/>
+              <a:buChar char="•"/>
+            </a:pPr>
+            <a:r>
+              <a:rPr lang="en-US" sz="2400" dirty="0"/>
+              <a:t>Restaurant data was obtained from a Yelp API call</a:t>
+            </a:r>
+          </a:p>
+          <a:p>
+            <a:pPr marL="742950" lvl="1" indent="-285750">
+              <a:buFont typeface="Arial" panose="020B0604020202020204" pitchFamily="34" charset="0"/>
+              <a:buChar char="•"/>
+            </a:pPr>
+            <a:r>
+              <a:rPr lang="en-US" sz="2400" dirty="0"/>
+              <a:t>County demographic information for Missouri was obtained from API calls to www.census.gov, data.ers.usda.gov, and www.povertyusa.org   </a:t>
+            </a:r>
+          </a:p>
+          <a:p>
+            <a:pPr marL="742950" lvl="1" indent="-285750">
+              <a:buFont typeface="Arial" panose="020B0604020202020204" pitchFamily="34" charset="0"/>
+              <a:buChar char="•"/>
+            </a:pPr>
+            <a:r>
+              <a:rPr lang="en-US" sz="2400" dirty="0"/>
+              <a:t>County lines for the dynamic map were obtained from a </a:t>
+            </a:r>
+            <a:r>
+              <a:rPr lang="en-US" sz="2400" dirty="0" err="1"/>
+              <a:t>GeoJSON</a:t>
+            </a:r>
+            <a:r>
+              <a:rPr lang="en-US" sz="2400" dirty="0"/>
+              <a:t> from https://eric.clst.org/tech/usgeojson/</a:t>
+            </a:r>
+          </a:p>
+          <a:p>
+            <a:pPr marL="285750" indent="-285750">
+              <a:buFont typeface="Arial" panose="020B0604020202020204" pitchFamily="34" charset="0"/>
+              <a:buChar char="•"/>
+            </a:pPr>
+            <a:r>
+              <a:rPr lang="en-US" sz="2400" dirty="0"/>
+              <a:t>Web-scraping with Splinter:</a:t>
+            </a:r>
+          </a:p>
+          <a:p>
+            <a:pPr marL="742950" lvl="1" indent="-285750">
+              <a:buFont typeface="Arial" panose="020B0604020202020204" pitchFamily="34" charset="0"/>
+              <a:buChar char="•"/>
+            </a:pPr>
+            <a:r>
+              <a:rPr lang="en-US" sz="2400" dirty="0"/>
+              <a:t>Scraped current poverty facts</a:t>
+            </a:r>
+          </a:p>
+          <a:p>
+            <a:pPr marL="285750" indent="-285750">
+              <a:buFont typeface="Arial" panose="020B0604020202020204" pitchFamily="34" charset="0"/>
+              <a:buChar char="•"/>
+            </a:pPr>
+            <a:r>
+              <a:rPr lang="en-US" sz="2400" dirty="0"/>
+              <a:t>Data Storage in Mongo</a:t>
+            </a:r>
+          </a:p>
+          <a:p>
+            <a:pPr marL="742950" lvl="1" indent="-285750">
+              <a:buFont typeface="Arial" panose="020B0604020202020204" pitchFamily="34" charset="0"/>
+              <a:buChar char="•"/>
+            </a:pPr>
+            <a:endParaRPr lang="en-US" sz="2400" dirty="0"/>
           </a:p>
         </p:txBody>
       </p:sp>
@@ -7429,6 +7419,333 @@
           <p:cNvPr id="2" name="Title 1">
             <a:extLst>
               <a:ext uri="{FF2B5EF4-FFF2-40B4-BE49-F238E27FC236}">
+                <a16:creationId xmlns:a16="http://schemas.microsoft.com/office/drawing/2014/main" id="{CEEFBDC2-7D03-4FFE-8712-05955ADCA6A2}"/>
+              </a:ext>
+            </a:extLst>
+          </p:cNvPr>
+          <p:cNvSpPr>
+            <a:spLocks noGrp="1"/>
+          </p:cNvSpPr>
+          <p:nvPr>
+            <p:ph type="title"/>
+          </p:nvPr>
+        </p:nvSpPr>
+        <p:spPr/>
+        <p:txBody>
+          <a:bodyPr/>
+          <a:lstStyle/>
+          <a:p>
+            <a:r>
+              <a:rPr lang="en-US" dirty="0"/>
+              <a:t>Code</a:t>
+            </a:r>
+          </a:p>
+        </p:txBody>
+      </p:sp>
+      <p:sp>
+        <p:nvSpPr>
+          <p:cNvPr id="3" name="Content Placeholder 2">
+            <a:extLst>
+              <a:ext uri="{FF2B5EF4-FFF2-40B4-BE49-F238E27FC236}">
+                <a16:creationId xmlns:a16="http://schemas.microsoft.com/office/drawing/2014/main" id="{A8B5CBFA-A5EA-4012-9864-BCF2B9B4B420}"/>
+              </a:ext>
+            </a:extLst>
+          </p:cNvPr>
+          <p:cNvSpPr>
+            <a:spLocks noGrp="1"/>
+          </p:cNvSpPr>
+          <p:nvPr>
+            <p:ph idx="1"/>
+          </p:nvPr>
+        </p:nvSpPr>
+        <p:spPr>
+          <a:xfrm>
+            <a:off x="1295401" y="2556931"/>
+            <a:ext cx="9601196" cy="3482921"/>
+          </a:xfrm>
+        </p:spPr>
+        <p:txBody>
+          <a:bodyPr>
+            <a:normAutofit fontScale="77500" lnSpcReduction="20000"/>
+          </a:bodyPr>
+          <a:lstStyle/>
+          <a:p>
+            <a:r>
+              <a:rPr lang="en-US" dirty="0"/>
+              <a:t>D3.js was used to read in csv data and </a:t>
+            </a:r>
+            <a:r>
+              <a:rPr lang="en-US" dirty="0" err="1"/>
+              <a:t>GeoJSON</a:t>
+            </a:r>
+            <a:r>
+              <a:rPr lang="en-US" dirty="0"/>
+              <a:t> data obtained </a:t>
+            </a:r>
+          </a:p>
+          <a:p>
+            <a:r>
+              <a:rPr lang="en-US" dirty="0"/>
+              <a:t>The base maps were street map and dark map. </a:t>
+            </a:r>
+          </a:p>
+          <a:p>
+            <a:r>
+              <a:rPr lang="en-US" dirty="0"/>
+              <a:t>Overlay maps consisted of the location of fast food restaurants in Missouri and the counties of Missouri.</a:t>
+            </a:r>
+          </a:p>
+          <a:p>
+            <a:r>
+              <a:rPr lang="en-US" dirty="0"/>
+              <a:t>The leaflet plug-in sidebar v2 was incorporated to provide more information about each restaurant.</a:t>
+            </a:r>
+          </a:p>
+          <a:p>
+            <a:r>
+              <a:rPr lang="en-US" dirty="0"/>
+              <a:t>When the counties layer </a:t>
+            </a:r>
+            <a:r>
+              <a:rPr lang="en-US"/>
+              <a:t>is activated, </a:t>
+            </a:r>
+            <a:r>
+              <a:rPr lang="en-US" dirty="0"/>
+              <a:t>they are color coded based on unemployment rate with a legend. </a:t>
+            </a:r>
+          </a:p>
+          <a:p>
+            <a:r>
+              <a:rPr lang="en-US" dirty="0"/>
+              <a:t>The sidebar was also used to provide the poverty and unemployment information for each county.</a:t>
+            </a:r>
+          </a:p>
+          <a:p>
+            <a:r>
+              <a:rPr lang="en-US" dirty="0"/>
+              <a:t>D3 for plotting with linear regression analysis</a:t>
+            </a:r>
+          </a:p>
+        </p:txBody>
+      </p:sp>
+    </p:spTree>
+    <p:extLst>
+      <p:ext uri="{BB962C8B-B14F-4D97-AF65-F5344CB8AC3E}">
+        <p14:creationId xmlns:p14="http://schemas.microsoft.com/office/powerpoint/2010/main" val="2835217536"/>
+      </p:ext>
+    </p:extLst>
+  </p:cSld>
+  <p:clrMapOvr>
+    <a:masterClrMapping/>
+  </p:clrMapOvr>
+</p:sld>
+</file>
+
+<file path=ppt/slides/slide6.xml><?xml version="1.0" encoding="utf-8"?>
+<p:sld xmlns:a="http://schemas.openxmlformats.org/drawingml/2006/main" xmlns:r="http://schemas.openxmlformats.org/officeDocument/2006/relationships" xmlns:p="http://schemas.openxmlformats.org/presentationml/2006/main">
+  <p:cSld>
+    <p:spTree>
+      <p:nvGrpSpPr>
+        <p:cNvPr id="1" name=""/>
+        <p:cNvGrpSpPr/>
+        <p:nvPr/>
+      </p:nvGrpSpPr>
+      <p:grpSpPr>
+        <a:xfrm>
+          <a:off x="0" y="0"/>
+          <a:ext cx="0" cy="0"/>
+          <a:chOff x="0" y="0"/>
+          <a:chExt cx="0" cy="0"/>
+        </a:xfrm>
+      </p:grpSpPr>
+      <p:sp>
+        <p:nvSpPr>
+          <p:cNvPr id="4" name="Title 3">
+            <a:extLst>
+              <a:ext uri="{FF2B5EF4-FFF2-40B4-BE49-F238E27FC236}">
+                <a16:creationId xmlns:a16="http://schemas.microsoft.com/office/drawing/2014/main" id="{595D689B-C2C4-4839-BBAA-23688F9F2886}"/>
+              </a:ext>
+            </a:extLst>
+          </p:cNvPr>
+          <p:cNvSpPr>
+            <a:spLocks noGrp="1"/>
+          </p:cNvSpPr>
+          <p:nvPr>
+            <p:ph type="title"/>
+          </p:nvPr>
+        </p:nvSpPr>
+        <p:spPr/>
+        <p:txBody>
+          <a:bodyPr/>
+          <a:lstStyle/>
+          <a:p>
+            <a:r>
+              <a:rPr lang="en-US" dirty="0"/>
+              <a:t>Walk Through of the Code</a:t>
+            </a:r>
+          </a:p>
+        </p:txBody>
+      </p:sp>
+      <p:pic>
+        <p:nvPicPr>
+          <p:cNvPr id="8" name="Picture 7">
+            <a:extLst>
+              <a:ext uri="{FF2B5EF4-FFF2-40B4-BE49-F238E27FC236}">
+                <a16:creationId xmlns:a16="http://schemas.microsoft.com/office/drawing/2014/main" id="{BAB325F2-231A-444A-9F5C-662ADAB71168}"/>
+              </a:ext>
+            </a:extLst>
+          </p:cNvPr>
+          <p:cNvPicPr>
+            <a:picLocks noChangeAspect="1"/>
+          </p:cNvPicPr>
+          <p:nvPr/>
+        </p:nvPicPr>
+        <p:blipFill>
+          <a:blip r:embed="rId2"/>
+          <a:stretch>
+            <a:fillRect/>
+          </a:stretch>
+        </p:blipFill>
+        <p:spPr>
+          <a:xfrm>
+            <a:off x="2890784" y="2556932"/>
+            <a:ext cx="6410432" cy="3318936"/>
+          </a:xfrm>
+          <a:prstGeom prst="rect">
+            <a:avLst/>
+          </a:prstGeom>
+        </p:spPr>
+      </p:pic>
+    </p:spTree>
+    <p:extLst>
+      <p:ext uri="{BB962C8B-B14F-4D97-AF65-F5344CB8AC3E}">
+        <p14:creationId xmlns:p14="http://schemas.microsoft.com/office/powerpoint/2010/main" val="1026871708"/>
+      </p:ext>
+    </p:extLst>
+  </p:cSld>
+  <p:clrMapOvr>
+    <a:masterClrMapping/>
+  </p:clrMapOvr>
+</p:sld>
+</file>
+
+<file path=ppt/slides/slide7.xml><?xml version="1.0" encoding="utf-8"?>
+<p:sld xmlns:a="http://schemas.openxmlformats.org/drawingml/2006/main" xmlns:r="http://schemas.openxmlformats.org/officeDocument/2006/relationships" xmlns:p="http://schemas.openxmlformats.org/presentationml/2006/main">
+  <p:cSld>
+    <p:spTree>
+      <p:nvGrpSpPr>
+        <p:cNvPr id="1" name=""/>
+        <p:cNvGrpSpPr/>
+        <p:nvPr/>
+      </p:nvGrpSpPr>
+      <p:grpSpPr>
+        <a:xfrm>
+          <a:off x="0" y="0"/>
+          <a:ext cx="0" cy="0"/>
+          <a:chOff x="0" y="0"/>
+          <a:chExt cx="0" cy="0"/>
+        </a:xfrm>
+      </p:grpSpPr>
+      <p:sp>
+        <p:nvSpPr>
+          <p:cNvPr id="2" name="Title 1">
+            <a:extLst>
+              <a:ext uri="{FF2B5EF4-FFF2-40B4-BE49-F238E27FC236}">
+                <a16:creationId xmlns:a16="http://schemas.microsoft.com/office/drawing/2014/main" id="{6AF77060-84FD-4BC9-8C2A-E73F8079A7C4}"/>
+              </a:ext>
+            </a:extLst>
+          </p:cNvPr>
+          <p:cNvSpPr>
+            <a:spLocks noGrp="1"/>
+          </p:cNvSpPr>
+          <p:nvPr>
+            <p:ph type="title" idx="4294967295"/>
+          </p:nvPr>
+        </p:nvSpPr>
+        <p:spPr>
+          <a:xfrm>
+            <a:off x="0" y="982663"/>
+            <a:ext cx="9601200" cy="1303337"/>
+          </a:xfrm>
+        </p:spPr>
+        <p:txBody>
+          <a:bodyPr/>
+          <a:lstStyle/>
+          <a:p>
+            <a:r>
+              <a:rPr lang="en-US" dirty="0"/>
+              <a:t>Dynamic Map</a:t>
+            </a:r>
+          </a:p>
+        </p:txBody>
+      </p:sp>
+      <p:pic>
+        <p:nvPicPr>
+          <p:cNvPr id="4" name="Picture 3">
+            <a:hlinkClick r:id="rId2" action="ppaction://hlinkfile"/>
+            <a:extLst>
+              <a:ext uri="{FF2B5EF4-FFF2-40B4-BE49-F238E27FC236}">
+                <a16:creationId xmlns:a16="http://schemas.microsoft.com/office/drawing/2014/main" id="{8BF984B5-C20E-4758-B978-318B490DCE63}"/>
+              </a:ext>
+            </a:extLst>
+          </p:cNvPr>
+          <p:cNvPicPr>
+            <a:picLocks noChangeAspect="1"/>
+          </p:cNvPicPr>
+          <p:nvPr/>
+        </p:nvPicPr>
+        <p:blipFill>
+          <a:blip r:embed="rId3"/>
+          <a:stretch>
+            <a:fillRect/>
+          </a:stretch>
+        </p:blipFill>
+        <p:spPr>
+          <a:xfrm>
+            <a:off x="2137277" y="710891"/>
+            <a:ext cx="7917445" cy="5436217"/>
+          </a:xfrm>
+          <a:prstGeom prst="rect">
+            <a:avLst/>
+          </a:prstGeom>
+        </p:spPr>
+      </p:pic>
+    </p:spTree>
+    <p:extLst>
+      <p:ext uri="{BB962C8B-B14F-4D97-AF65-F5344CB8AC3E}">
+        <p14:creationId xmlns:p14="http://schemas.microsoft.com/office/powerpoint/2010/main" val="1438805640"/>
+      </p:ext>
+    </p:extLst>
+  </p:cSld>
+  <p:clrMapOvr>
+    <a:masterClrMapping/>
+  </p:clrMapOvr>
+</p:sld>
+</file>
+
+<file path=ppt/slides/slide8.xml><?xml version="1.0" encoding="utf-8"?>
+<p:sld xmlns:a="http://schemas.openxmlformats.org/drawingml/2006/main" xmlns:r="http://schemas.openxmlformats.org/officeDocument/2006/relationships" xmlns:p="http://schemas.openxmlformats.org/presentationml/2006/main">
+  <p:cSld>
+    <p:spTree>
+      <p:nvGrpSpPr>
+        <p:cNvPr id="1" name=""/>
+        <p:cNvGrpSpPr/>
+        <p:nvPr/>
+      </p:nvGrpSpPr>
+      <p:grpSpPr>
+        <a:xfrm>
+          <a:off x="0" y="0"/>
+          <a:ext cx="0" cy="0"/>
+          <a:chOff x="0" y="0"/>
+          <a:chExt cx="0" cy="0"/>
+        </a:xfrm>
+      </p:grpSpPr>
+      <p:sp>
+        <p:nvSpPr>
+          <p:cNvPr id="2" name="Title 1">
+            <a:extLst>
+              <a:ext uri="{FF2B5EF4-FFF2-40B4-BE49-F238E27FC236}">
                 <a16:creationId xmlns:a16="http://schemas.microsoft.com/office/drawing/2014/main" id="{552FBB91-9074-4834-B678-22AD0A800E49}"/>
               </a:ext>
             </a:extLst>
@@ -7471,15 +7788,9 @@
         <p:spPr/>
         <p:txBody>
           <a:bodyPr>
-            <a:normAutofit fontScale="70000" lnSpcReduction="20000"/>
+            <a:normAutofit fontScale="85000" lnSpcReduction="20000"/>
           </a:bodyPr>
           <a:lstStyle/>
-          <a:p>
-            <a:r>
-              <a:rPr lang="en-US" dirty="0"/>
-              <a:t>Hey guys, what other sites do I need to add here?</a:t>
-            </a:r>
-          </a:p>
           <a:p>
             <a:endParaRPr lang="en-US" dirty="0"/>
           </a:p>
@@ -7761,6 +8072,12 @@
 </file>
 
 <file path=customXml/item1.xml><?xml version="1.0" encoding="utf-8"?>
+<p:properties xmlns:p="http://schemas.microsoft.com/office/2006/metadata/properties" xmlns:xsi="http://www.w3.org/2001/XMLSchema-instance" xmlns:pc="http://schemas.microsoft.com/office/infopath/2007/PartnerControls">
+  <documentManagement/>
+</p:properties>
+</file>
+
+<file path=customXml/item2.xml><?xml version="1.0" encoding="utf-8"?>
 <?mso-contentType ?>
 <FormTemplates xmlns="http://schemas.microsoft.com/sharepoint/v3/contenttype/forms">
   <Display>DocumentLibraryForm</Display>
@@ -7769,7 +8086,7 @@
 </FormTemplates>
 </file>
 
-<file path=customXml/item2.xml><?xml version="1.0" encoding="utf-8"?>
+<file path=customXml/item3.xml><?xml version="1.0" encoding="utf-8"?>
 <ct:contentTypeSchema xmlns:ct="http://schemas.microsoft.com/office/2006/metadata/contentType" xmlns:ma="http://schemas.microsoft.com/office/2006/metadata/properties/metaAttributes" ct:_="" ma:_="" ma:contentTypeName="Document" ma:contentTypeID="0x0101000D367A26A3A9FB46979047D8E7015C4A" ma:contentTypeVersion="10" ma:contentTypeDescription="Create a new document." ma:contentTypeScope="" ma:versionID="c397597226638140e4af44b18f66294f">
   <xsd:schema xmlns:xsd="http://www.w3.org/2001/XMLSchema" xmlns:xs="http://www.w3.org/2001/XMLSchema" xmlns:p="http://schemas.microsoft.com/office/2006/metadata/properties" xmlns:ns3="50dc16db-6b20-4902-9ede-91f917c6298c" targetNamespace="http://schemas.microsoft.com/office/2006/metadata/properties" ma:root="true" ma:fieldsID="0462f3abd3eea1e9813070414a2ed6a7" ns3:_="">
     <xsd:import namespace="50dc16db-6b20-4902-9ede-91f917c6298c"/>
@@ -7953,13 +8270,23 @@
 </ct:contentTypeSchema>
 </file>
 
-<file path=customXml/item3.xml><?xml version="1.0" encoding="utf-8"?>
-<p:properties xmlns:p="http://schemas.microsoft.com/office/2006/metadata/properties" xmlns:xsi="http://www.w3.org/2001/XMLSchema-instance" xmlns:pc="http://schemas.microsoft.com/office/infopath/2007/PartnerControls">
-  <documentManagement/>
-</p:properties>
+<file path=customXml/itemProps1.xml><?xml version="1.0" encoding="utf-8"?>
+<ds:datastoreItem xmlns:ds="http://schemas.openxmlformats.org/officeDocument/2006/customXml" ds:itemID="{B5BC51F4-4A37-4125-A439-1E6CE0C2C279}">
+  <ds:schemaRefs>
+    <ds:schemaRef ds:uri="http://schemas.microsoft.com/office/infopath/2007/PartnerControls"/>
+    <ds:schemaRef ds:uri="http://purl.org/dc/terms/"/>
+    <ds:schemaRef ds:uri="http://schemas.openxmlformats.org/package/2006/metadata/core-properties"/>
+    <ds:schemaRef ds:uri="http://www.w3.org/XML/1998/namespace"/>
+    <ds:schemaRef ds:uri="http://schemas.microsoft.com/office/2006/documentManagement/types"/>
+    <ds:schemaRef ds:uri="http://schemas.microsoft.com/office/2006/metadata/properties"/>
+    <ds:schemaRef ds:uri="http://purl.org/dc/dcmitype/"/>
+    <ds:schemaRef ds:uri="50dc16db-6b20-4902-9ede-91f917c6298c"/>
+    <ds:schemaRef ds:uri="http://purl.org/dc/elements/1.1/"/>
+  </ds:schemaRefs>
+</ds:datastoreItem>
 </file>
 
-<file path=customXml/itemProps1.xml><?xml version="1.0" encoding="utf-8"?>
+<file path=customXml/itemProps2.xml><?xml version="1.0" encoding="utf-8"?>
 <ds:datastoreItem xmlns:ds="http://schemas.openxmlformats.org/officeDocument/2006/customXml" ds:itemID="{095DDF68-74F1-48E3-9D9D-99C6935151AB}">
   <ds:schemaRefs>
     <ds:schemaRef ds:uri="http://schemas.microsoft.com/sharepoint/v3/contenttype/forms"/>
@@ -7967,7 +8294,7 @@
 </ds:datastoreItem>
 </file>
 
-<file path=customXml/itemProps2.xml><?xml version="1.0" encoding="utf-8"?>
+<file path=customXml/itemProps3.xml><?xml version="1.0" encoding="utf-8"?>
 <ds:datastoreItem xmlns:ds="http://schemas.openxmlformats.org/officeDocument/2006/customXml" ds:itemID="{DA7F126D-5826-4818-87EB-F38B0209BCB5}">
   <ds:schemaRefs>
     <ds:schemaRef ds:uri="http://schemas.microsoft.com/office/2006/metadata/contentType"/>
@@ -7983,20 +8310,4 @@
     <ds:schemaRef ds:uri="http://schemas.microsoft.com/internal/obd"/>
   </ds:schemaRefs>
 </ds:datastoreItem>
-</file>
-
-<file path=customXml/itemProps3.xml><?xml version="1.0" encoding="utf-8"?>
-<ds:datastoreItem xmlns:ds="http://schemas.openxmlformats.org/officeDocument/2006/customXml" ds:itemID="{B5BC51F4-4A37-4125-A439-1E6CE0C2C279}">
-  <ds:schemaRefs>
-    <ds:schemaRef ds:uri="http://purl.org/dc/terms/"/>
-    <ds:schemaRef ds:uri="http://schemas.openxmlformats.org/package/2006/metadata/core-properties"/>
-    <ds:schemaRef ds:uri="http://purl.org/dc/dcmitype/"/>
-    <ds:schemaRef ds:uri="http://schemas.microsoft.com/office/infopath/2007/PartnerControls"/>
-    <ds:schemaRef ds:uri="http://schemas.microsoft.com/office/2006/documentManagement/types"/>
-    <ds:schemaRef ds:uri="http://purl.org/dc/elements/1.1/"/>
-    <ds:schemaRef ds:uri="http://schemas.microsoft.com/office/2006/metadata/properties"/>
-    <ds:schemaRef ds:uri="50dc16db-6b20-4902-9ede-91f917c6298c"/>
-    <ds:schemaRef ds:uri="http://www.w3.org/XML/1998/namespace"/>
-  </ds:schemaRefs>
-</ds:datastoreItem>
 </file>